--- a/Unit 8/Midterm Review.pptx
+++ b/Unit 8/Midterm Review.pptx
@@ -111,6 +111,11 @@
       </a:defRPr>
     </a:lvl9pPr>
   </p:defaultTextStyle>
+  <p:extLst>
+    <p:ext uri="{EFAFB233-063F-42B5-8137-9DF3F51BA10A}">
+      <p15:sldGuideLst xmlns:p15="http://schemas.microsoft.com/office/powerpoint/2012/main"/>
+    </p:ext>
+  </p:extLst>
 </p:presentation>
 </file>
 
@@ -245,7 +250,7 @@
           <a:p>
             <a:fld id="{6ADD5F46-78AF-5343-84B9-D5630266D77A}" type="datetimeFigureOut">
               <a:rPr lang="en-US" smtClean="0"/>
-              <a:t>10/8/19</a:t>
+              <a:t>2/18/20</a:t>
             </a:fld>
             <a:endParaRPr lang="en-US"/>
           </a:p>
@@ -415,7 +420,7 @@
           <a:p>
             <a:fld id="{6ADD5F46-78AF-5343-84B9-D5630266D77A}" type="datetimeFigureOut">
               <a:rPr lang="en-US" smtClean="0"/>
-              <a:t>10/8/19</a:t>
+              <a:t>2/18/20</a:t>
             </a:fld>
             <a:endParaRPr lang="en-US"/>
           </a:p>
@@ -595,7 +600,7 @@
           <a:p>
             <a:fld id="{6ADD5F46-78AF-5343-84B9-D5630266D77A}" type="datetimeFigureOut">
               <a:rPr lang="en-US" smtClean="0"/>
-              <a:t>10/8/19</a:t>
+              <a:t>2/18/20</a:t>
             </a:fld>
             <a:endParaRPr lang="en-US"/>
           </a:p>
@@ -765,7 +770,7 @@
           <a:p>
             <a:fld id="{6ADD5F46-78AF-5343-84B9-D5630266D77A}" type="datetimeFigureOut">
               <a:rPr lang="en-US" smtClean="0"/>
-              <a:t>10/8/19</a:t>
+              <a:t>2/18/20</a:t>
             </a:fld>
             <a:endParaRPr lang="en-US"/>
           </a:p>
@@ -1009,7 +1014,7 @@
           <a:p>
             <a:fld id="{6ADD5F46-78AF-5343-84B9-D5630266D77A}" type="datetimeFigureOut">
               <a:rPr lang="en-US" smtClean="0"/>
-              <a:t>10/8/19</a:t>
+              <a:t>2/18/20</a:t>
             </a:fld>
             <a:endParaRPr lang="en-US"/>
           </a:p>
@@ -1241,7 +1246,7 @@
           <a:p>
             <a:fld id="{6ADD5F46-78AF-5343-84B9-D5630266D77A}" type="datetimeFigureOut">
               <a:rPr lang="en-US" smtClean="0"/>
-              <a:t>10/8/19</a:t>
+              <a:t>2/18/20</a:t>
             </a:fld>
             <a:endParaRPr lang="en-US"/>
           </a:p>
@@ -1608,7 +1613,7 @@
           <a:p>
             <a:fld id="{6ADD5F46-78AF-5343-84B9-D5630266D77A}" type="datetimeFigureOut">
               <a:rPr lang="en-US" smtClean="0"/>
-              <a:t>10/8/19</a:t>
+              <a:t>2/18/20</a:t>
             </a:fld>
             <a:endParaRPr lang="en-US"/>
           </a:p>
@@ -1726,7 +1731,7 @@
           <a:p>
             <a:fld id="{6ADD5F46-78AF-5343-84B9-D5630266D77A}" type="datetimeFigureOut">
               <a:rPr lang="en-US" smtClean="0"/>
-              <a:t>10/8/19</a:t>
+              <a:t>2/18/20</a:t>
             </a:fld>
             <a:endParaRPr lang="en-US"/>
           </a:p>
@@ -1821,7 +1826,7 @@
           <a:p>
             <a:fld id="{6ADD5F46-78AF-5343-84B9-D5630266D77A}" type="datetimeFigureOut">
               <a:rPr lang="en-US" smtClean="0"/>
-              <a:t>10/8/19</a:t>
+              <a:t>2/18/20</a:t>
             </a:fld>
             <a:endParaRPr lang="en-US"/>
           </a:p>
@@ -2098,7 +2103,7 @@
           <a:p>
             <a:fld id="{6ADD5F46-78AF-5343-84B9-D5630266D77A}" type="datetimeFigureOut">
               <a:rPr lang="en-US" smtClean="0"/>
-              <a:t>10/8/19</a:t>
+              <a:t>2/18/20</a:t>
             </a:fld>
             <a:endParaRPr lang="en-US"/>
           </a:p>
@@ -2355,7 +2360,7 @@
           <a:p>
             <a:fld id="{6ADD5F46-78AF-5343-84B9-D5630266D77A}" type="datetimeFigureOut">
               <a:rPr lang="en-US" smtClean="0"/>
-              <a:t>10/8/19</a:t>
+              <a:t>2/18/20</a:t>
             </a:fld>
             <a:endParaRPr lang="en-US"/>
           </a:p>
@@ -2568,7 +2573,7 @@
           <a:p>
             <a:fld id="{6ADD5F46-78AF-5343-84B9-D5630266D77A}" type="datetimeFigureOut">
               <a:rPr lang="en-US" smtClean="0"/>
-              <a:t>10/8/19</a:t>
+              <a:t>2/18/20</a:t>
             </a:fld>
             <a:endParaRPr lang="en-US"/>
           </a:p>
@@ -3660,14 +3665,21 @@
             <p:ph idx="1"/>
           </p:nvPr>
         </p:nvSpPr>
-        <p:spPr/>
-        <p:txBody>
-          <a:bodyPr/>
-          <a:lstStyle/>
-          <a:p>
-            <a:r>
-              <a:rPr lang="en-US" dirty="0"/>
-              <a:t>In Class (Tuesday Oct 15) (Submit to 2ds and email):</a:t>
+        <p:spPr>
+          <a:xfrm>
+            <a:off x="233465" y="1825625"/>
+            <a:ext cx="8657616" cy="4351338"/>
+          </a:xfrm>
+        </p:spPr>
+        <p:txBody>
+          <a:bodyPr>
+            <a:normAutofit lnSpcReduction="10000"/>
+          </a:bodyPr>
+          <a:lstStyle/>
+          <a:p>
+            <a:r>
+              <a:rPr lang="en-US" dirty="0"/>
+              <a:t>In Class (Tuesday Feb 25, normal class time).           (Submit to 2ds and email):</a:t>
             </a:r>
           </a:p>
           <a:p>
@@ -3705,7 +3717,15 @@
           <a:p>
             <a:r>
               <a:rPr lang="en-US" dirty="0"/>
-              <a:t>Take Home (Due Saturday Oct 19 11:59pm Central) (Submit to 2ds and email):</a:t>
+              <a:t>Take Home (Due Saturday Feb 29</a:t>
+            </a:r>
+            <a:r>
+              <a:rPr lang="en-US" baseline="30000" dirty="0"/>
+              <a:t>th</a:t>
+            </a:r>
+            <a:r>
+              <a:rPr lang="en-US" dirty="0"/>
+              <a:t> 11:59pm Central) (Submit to 2ds and email):</a:t>
             </a:r>
           </a:p>
           <a:p>
@@ -3916,7 +3936,7 @@
             </a:pPr>
             <a:r>
               <a:rPr lang="en-US" dirty="0"/>
-              <a:t>Sunday 7pm – 8pm Central</a:t>
+              <a:t>TBD</a:t>
             </a:r>
           </a:p>
           <a:p>
@@ -3930,9 +3950,10 @@
               <a:buNone/>
             </a:pPr>
             <a:r>
-              <a:rPr lang="en-US" dirty="0"/>
-              <a:t>Office hours will be held as usual 8-9pm central.  </a:t>
-            </a:r>
+              <a:rPr lang="en-US"/>
+              <a:t>TBD</a:t>
+            </a:r>
+            <a:endParaRPr lang="en-US" dirty="0"/>
           </a:p>
           <a:p>
             <a:pPr marL="0" indent="0">
